--- a/presentation.pptx
+++ b/presentation.pptx
@@ -118,6 +118,11 @@
       </a:defRPr>
     </a:lvl9pPr>
   </p:defaultTextStyle>
+  <p:extLst>
+    <p:ext uri="{EFAFB233-063F-42B5-8137-9DF3F51BA10A}">
+      <p15:sldGuideLst xmlns:p15="http://schemas.microsoft.com/office/powerpoint/2012/main"/>
+    </p:ext>
+  </p:extLst>
 </p:presentation>
 </file>
 
@@ -16144,7 +16149,7 @@
           <a:p>
             <a:fld id="{3C04E684-10F4-4CC3-A0B9-F03AA7BE37CF}" type="datetimeFigureOut">
               <a:rPr lang="en-US" smtClean="0"/>
-              <a:t>09-Sep-22</a:t>
+              <a:t>10-Sep-22</a:t>
             </a:fld>
             <a:endParaRPr lang="en-US"/>
           </a:p>
@@ -18634,7 +18639,7 @@
           <a:p>
             <a:fld id="{3C04E684-10F4-4CC3-A0B9-F03AA7BE37CF}" type="datetimeFigureOut">
               <a:rPr lang="en-US" smtClean="0"/>
-              <a:t>09-Sep-22</a:t>
+              <a:t>10-Sep-22</a:t>
             </a:fld>
             <a:endParaRPr lang="en-US"/>
           </a:p>
@@ -18832,7 +18837,7 @@
           <a:p>
             <a:fld id="{3C04E684-10F4-4CC3-A0B9-F03AA7BE37CF}" type="datetimeFigureOut">
               <a:rPr lang="en-US" smtClean="0"/>
-              <a:t>09-Sep-22</a:t>
+              <a:t>10-Sep-22</a:t>
             </a:fld>
             <a:endParaRPr lang="en-US"/>
           </a:p>
@@ -19040,7 +19045,7 @@
           <a:p>
             <a:fld id="{3C04E684-10F4-4CC3-A0B9-F03AA7BE37CF}" type="datetimeFigureOut">
               <a:rPr lang="en-US" smtClean="0"/>
-              <a:t>09-Sep-22</a:t>
+              <a:t>10-Sep-22</a:t>
             </a:fld>
             <a:endParaRPr lang="en-US"/>
           </a:p>
@@ -19260,7 +19265,7 @@
           <a:p>
             <a:fld id="{3C04E684-10F4-4CC3-A0B9-F03AA7BE37CF}" type="datetimeFigureOut">
               <a:rPr lang="en-US" smtClean="0"/>
-              <a:t>09-Sep-22</a:t>
+              <a:t>10-Sep-22</a:t>
             </a:fld>
             <a:endParaRPr lang="en-US"/>
           </a:p>
@@ -19458,7 +19463,7 @@
           <a:p>
             <a:fld id="{3C04E684-10F4-4CC3-A0B9-F03AA7BE37CF}" type="datetimeFigureOut">
               <a:rPr lang="en-US" smtClean="0"/>
-              <a:t>09-Sep-22</a:t>
+              <a:t>10-Sep-22</a:t>
             </a:fld>
             <a:endParaRPr lang="en-US"/>
           </a:p>
@@ -19733,7 +19738,7 @@
           <a:p>
             <a:fld id="{3C04E684-10F4-4CC3-A0B9-F03AA7BE37CF}" type="datetimeFigureOut">
               <a:rPr lang="en-US" smtClean="0"/>
-              <a:t>09-Sep-22</a:t>
+              <a:t>10-Sep-22</a:t>
             </a:fld>
             <a:endParaRPr lang="en-US"/>
           </a:p>
@@ -19998,7 +20003,7 @@
           <a:p>
             <a:fld id="{3C04E684-10F4-4CC3-A0B9-F03AA7BE37CF}" type="datetimeFigureOut">
               <a:rPr lang="en-US" smtClean="0"/>
-              <a:t>09-Sep-22</a:t>
+              <a:t>10-Sep-22</a:t>
             </a:fld>
             <a:endParaRPr lang="en-US"/>
           </a:p>
@@ -20410,7 +20415,7 @@
           <a:p>
             <a:fld id="{3C04E684-10F4-4CC3-A0B9-F03AA7BE37CF}" type="datetimeFigureOut">
               <a:rPr lang="en-US" smtClean="0"/>
-              <a:t>09-Sep-22</a:t>
+              <a:t>10-Sep-22</a:t>
             </a:fld>
             <a:endParaRPr lang="en-US"/>
           </a:p>
@@ -20551,7 +20556,7 @@
           <a:p>
             <a:fld id="{3C04E684-10F4-4CC3-A0B9-F03AA7BE37CF}" type="datetimeFigureOut">
               <a:rPr lang="en-US" smtClean="0"/>
-              <a:t>09-Sep-22</a:t>
+              <a:t>10-Sep-22</a:t>
             </a:fld>
             <a:endParaRPr lang="en-US"/>
           </a:p>
@@ -20664,7 +20669,7 @@
           <a:p>
             <a:fld id="{3C04E684-10F4-4CC3-A0B9-F03AA7BE37CF}" type="datetimeFigureOut">
               <a:rPr lang="en-US" smtClean="0"/>
-              <a:t>09-Sep-22</a:t>
+              <a:t>10-Sep-22</a:t>
             </a:fld>
             <a:endParaRPr lang="en-US"/>
           </a:p>
@@ -21401,7 +21406,7 @@
           <a:p>
             <a:fld id="{3C04E684-10F4-4CC3-A0B9-F03AA7BE37CF}" type="datetimeFigureOut">
               <a:rPr lang="en-US" smtClean="0"/>
-              <a:t>09-Sep-22</a:t>
+              <a:t>10-Sep-22</a:t>
             </a:fld>
             <a:endParaRPr lang="en-US"/>
           </a:p>
@@ -21712,7 +21717,7 @@
           <a:p>
             <a:fld id="{3C04E684-10F4-4CC3-A0B9-F03AA7BE37CF}" type="datetimeFigureOut">
               <a:rPr lang="en-US" smtClean="0"/>
-              <a:t>09-Sep-22</a:t>
+              <a:t>10-Sep-22</a:t>
             </a:fld>
             <a:endParaRPr lang="en-US"/>
           </a:p>
@@ -22000,7 +22005,7 @@
           <a:p>
             <a:fld id="{3C04E684-10F4-4CC3-A0B9-F03AA7BE37CF}" type="datetimeFigureOut">
               <a:rPr lang="en-US" smtClean="0"/>
-              <a:t>09-Sep-22</a:t>
+              <a:t>10-Sep-22</a:t>
             </a:fld>
             <a:endParaRPr lang="en-US"/>
           </a:p>
@@ -22198,7 +22203,7 @@
           <a:p>
             <a:fld id="{3C04E684-10F4-4CC3-A0B9-F03AA7BE37CF}" type="datetimeFigureOut">
               <a:rPr lang="en-US" smtClean="0"/>
-              <a:t>09-Sep-22</a:t>
+              <a:t>10-Sep-22</a:t>
             </a:fld>
             <a:endParaRPr lang="en-US"/>
           </a:p>
@@ -22406,7 +22411,7 @@
           <a:p>
             <a:fld id="{3C04E684-10F4-4CC3-A0B9-F03AA7BE37CF}" type="datetimeFigureOut">
               <a:rPr lang="en-US" smtClean="0"/>
-              <a:t>09-Sep-22</a:t>
+              <a:t>10-Sep-22</a:t>
             </a:fld>
             <a:endParaRPr lang="en-US"/>
           </a:p>
@@ -23048,7 +23053,7 @@
           <a:p>
             <a:fld id="{3C04E684-10F4-4CC3-A0B9-F03AA7BE37CF}" type="datetimeFigureOut">
               <a:rPr lang="en-US" smtClean="0"/>
-              <a:t>09-Sep-22</a:t>
+              <a:t>10-Sep-22</a:t>
             </a:fld>
             <a:endParaRPr lang="en-US"/>
           </a:p>
@@ -23848,7 +23853,7 @@
           <a:p>
             <a:fld id="{3C04E684-10F4-4CC3-A0B9-F03AA7BE37CF}" type="datetimeFigureOut">
               <a:rPr lang="en-US" smtClean="0"/>
-              <a:t>09-Sep-22</a:t>
+              <a:t>10-Sep-22</a:t>
             </a:fld>
             <a:endParaRPr lang="en-US"/>
           </a:p>
@@ -24799,7 +24804,7 @@
           <a:p>
             <a:fld id="{3C04E684-10F4-4CC3-A0B9-F03AA7BE37CF}" type="datetimeFigureOut">
               <a:rPr lang="en-US" smtClean="0"/>
-              <a:t>09-Sep-22</a:t>
+              <a:t>10-Sep-22</a:t>
             </a:fld>
             <a:endParaRPr lang="en-US"/>
           </a:p>
@@ -27148,7 +27153,7 @@
           <a:p>
             <a:fld id="{3C04E684-10F4-4CC3-A0B9-F03AA7BE37CF}" type="datetimeFigureOut">
               <a:rPr lang="en-US" smtClean="0"/>
-              <a:t>09-Sep-22</a:t>
+              <a:t>10-Sep-22</a:t>
             </a:fld>
             <a:endParaRPr lang="en-US"/>
           </a:p>
@@ -27261,7 +27266,7 @@
           <a:p>
             <a:fld id="{3C04E684-10F4-4CC3-A0B9-F03AA7BE37CF}" type="datetimeFigureOut">
               <a:rPr lang="en-US" smtClean="0"/>
-              <a:t>09-Sep-22</a:t>
+              <a:t>10-Sep-22</a:t>
             </a:fld>
             <a:endParaRPr lang="en-US"/>
           </a:p>
@@ -27768,7 +27773,7 @@
           <a:p>
             <a:fld id="{3C04E684-10F4-4CC3-A0B9-F03AA7BE37CF}" type="datetimeFigureOut">
               <a:rPr lang="en-US" smtClean="0"/>
-              <a:t>09-Sep-22</a:t>
+              <a:t>10-Sep-22</a:t>
             </a:fld>
             <a:endParaRPr lang="en-US"/>
           </a:p>
@@ -29071,7 +29076,7 @@
           <a:p>
             <a:fld id="{3C04E684-10F4-4CC3-A0B9-F03AA7BE37CF}" type="datetimeFigureOut">
               <a:rPr lang="en-US" smtClean="0"/>
-              <a:t>09-Sep-22</a:t>
+              <a:t>10-Sep-22</a:t>
             </a:fld>
             <a:endParaRPr lang="en-US"/>
           </a:p>
@@ -29318,7 +29323,7 @@
           <a:p>
             <a:fld id="{3C04E684-10F4-4CC3-A0B9-F03AA7BE37CF}" type="datetimeFigureOut">
               <a:rPr lang="en-US" smtClean="0"/>
-              <a:t>09-Sep-22</a:t>
+              <a:t>10-Sep-22</a:t>
             </a:fld>
             <a:endParaRPr lang="en-US"/>
           </a:p>
@@ -29887,7 +29892,7 @@
           <a:p>
             <a:fld id="{3C04E684-10F4-4CC3-A0B9-F03AA7BE37CF}" type="datetimeFigureOut">
               <a:rPr lang="en-US" smtClean="0"/>
-              <a:t>09-Sep-22</a:t>
+              <a:t>10-Sep-22</a:t>
             </a:fld>
             <a:endParaRPr lang="en-US"/>
           </a:p>
@@ -31887,6 +31892,16 @@
             </a:r>
             <a:endParaRPr lang="en-US" sz="2000" dirty="0"/>
           </a:p>
+          <a:p>
+            <a:r>
+              <a:rPr lang="en-US" sz="2000" dirty="0" err="1"/>
+              <a:t>Bổ</a:t>
+            </a:r>
+            <a:r>
+              <a:rPr lang="en-US" sz="2000" dirty="0"/>
+              <a:t> sung unit test</a:t>
+            </a:r>
+          </a:p>
         </p:txBody>
       </p:sp>
       <p:sp>
